--- a/text/imageworks.pptx
+++ b/text/imageworks.pptx
@@ -288,7 +288,7 @@
           <a:p>
             <a:fld id="{0AF80F9B-1FFC-6C42-B49C-49179799B9FF}" type="datetimeFigureOut">
               <a:rPr lang="en-US" smtClean="0"/>
-              <a:t>9/13/19</a:t>
+              <a:t>9/25/19</a:t>
             </a:fld>
             <a:endParaRPr lang="en-US"/>
           </a:p>
@@ -486,7 +486,7 @@
           <a:p>
             <a:fld id="{0AF80F9B-1FFC-6C42-B49C-49179799B9FF}" type="datetimeFigureOut">
               <a:rPr lang="en-US" smtClean="0"/>
-              <a:t>9/13/19</a:t>
+              <a:t>9/25/19</a:t>
             </a:fld>
             <a:endParaRPr lang="en-US"/>
           </a:p>
@@ -694,7 +694,7 @@
           <a:p>
             <a:fld id="{0AF80F9B-1FFC-6C42-B49C-49179799B9FF}" type="datetimeFigureOut">
               <a:rPr lang="en-US" smtClean="0"/>
-              <a:t>9/13/19</a:t>
+              <a:t>9/25/19</a:t>
             </a:fld>
             <a:endParaRPr lang="en-US"/>
           </a:p>
@@ -892,7 +892,7 @@
           <a:p>
             <a:fld id="{0AF80F9B-1FFC-6C42-B49C-49179799B9FF}" type="datetimeFigureOut">
               <a:rPr lang="en-US" smtClean="0"/>
-              <a:t>9/13/19</a:t>
+              <a:t>9/25/19</a:t>
             </a:fld>
             <a:endParaRPr lang="en-US"/>
           </a:p>
@@ -1167,7 +1167,7 @@
           <a:p>
             <a:fld id="{0AF80F9B-1FFC-6C42-B49C-49179799B9FF}" type="datetimeFigureOut">
               <a:rPr lang="en-US" smtClean="0"/>
-              <a:t>9/13/19</a:t>
+              <a:t>9/25/19</a:t>
             </a:fld>
             <a:endParaRPr lang="en-US"/>
           </a:p>
@@ -1432,7 +1432,7 @@
           <a:p>
             <a:fld id="{0AF80F9B-1FFC-6C42-B49C-49179799B9FF}" type="datetimeFigureOut">
               <a:rPr lang="en-US" smtClean="0"/>
-              <a:t>9/13/19</a:t>
+              <a:t>9/25/19</a:t>
             </a:fld>
             <a:endParaRPr lang="en-US"/>
           </a:p>
@@ -1844,7 +1844,7 @@
           <a:p>
             <a:fld id="{0AF80F9B-1FFC-6C42-B49C-49179799B9FF}" type="datetimeFigureOut">
               <a:rPr lang="en-US" smtClean="0"/>
-              <a:t>9/13/19</a:t>
+              <a:t>9/25/19</a:t>
             </a:fld>
             <a:endParaRPr lang="en-US"/>
           </a:p>
@@ -1985,7 +1985,7 @@
           <a:p>
             <a:fld id="{0AF80F9B-1FFC-6C42-B49C-49179799B9FF}" type="datetimeFigureOut">
               <a:rPr lang="en-US" smtClean="0"/>
-              <a:t>9/13/19</a:t>
+              <a:t>9/25/19</a:t>
             </a:fld>
             <a:endParaRPr lang="en-US"/>
           </a:p>
@@ -2098,7 +2098,7 @@
           <a:p>
             <a:fld id="{0AF80F9B-1FFC-6C42-B49C-49179799B9FF}" type="datetimeFigureOut">
               <a:rPr lang="en-US" smtClean="0"/>
-              <a:t>9/13/19</a:t>
+              <a:t>9/25/19</a:t>
             </a:fld>
             <a:endParaRPr lang="en-US"/>
           </a:p>
@@ -2409,7 +2409,7 @@
           <a:p>
             <a:fld id="{0AF80F9B-1FFC-6C42-B49C-49179799B9FF}" type="datetimeFigureOut">
               <a:rPr lang="en-US" smtClean="0"/>
-              <a:t>9/13/19</a:t>
+              <a:t>9/25/19</a:t>
             </a:fld>
             <a:endParaRPr lang="en-US"/>
           </a:p>
@@ -2697,7 +2697,7 @@
           <a:p>
             <a:fld id="{0AF80F9B-1FFC-6C42-B49C-49179799B9FF}" type="datetimeFigureOut">
               <a:rPr lang="en-US" smtClean="0"/>
-              <a:t>9/13/19</a:t>
+              <a:t>9/25/19</a:t>
             </a:fld>
             <a:endParaRPr lang="en-US"/>
           </a:p>
@@ -2938,7 +2938,7 @@
           <a:p>
             <a:fld id="{0AF80F9B-1FFC-6C42-B49C-49179799B9FF}" type="datetimeFigureOut">
               <a:rPr lang="en-US" smtClean="0"/>
-              <a:t>9/13/19</a:t>
+              <a:t>9/25/19</a:t>
             </a:fld>
             <a:endParaRPr lang="en-US"/>
           </a:p>
@@ -4037,8 +4037,8 @@
         </p:nvSpPr>
         <p:spPr>
           <a:xfrm>
-            <a:off x="2706981" y="4244713"/>
-            <a:ext cx="1008610" cy="400110"/>
+            <a:off x="2621221" y="4244713"/>
+            <a:ext cx="1180131" cy="400110"/>
           </a:xfrm>
           <a:prstGeom prst="rect">
             <a:avLst/>
@@ -4057,7 +4057,7 @@
                 <a:latin typeface="Osaka" panose="020B0600000000000000" pitchFamily="34" charset="-128"/>
                 <a:ea typeface="Osaka" panose="020B0600000000000000" pitchFamily="34" charset="-128"/>
               </a:rPr>
-              <a:t>lt(90);</a:t>
+              <a:t>lt(180);</a:t>
             </a:r>
           </a:p>
         </p:txBody>

--- a/text/imageworks.pptx
+++ b/text/imageworks.pptx
@@ -288,7 +288,7 @@
           <a:p>
             <a:fld id="{0AF80F9B-1FFC-6C42-B49C-49179799B9FF}" type="datetimeFigureOut">
               <a:rPr lang="en-US" smtClean="0"/>
-              <a:t>9/25/19</a:t>
+              <a:t>10/16/19</a:t>
             </a:fld>
             <a:endParaRPr lang="en-US"/>
           </a:p>
@@ -486,7 +486,7 @@
           <a:p>
             <a:fld id="{0AF80F9B-1FFC-6C42-B49C-49179799B9FF}" type="datetimeFigureOut">
               <a:rPr lang="en-US" smtClean="0"/>
-              <a:t>9/25/19</a:t>
+              <a:t>10/16/19</a:t>
             </a:fld>
             <a:endParaRPr lang="en-US"/>
           </a:p>
@@ -694,7 +694,7 @@
           <a:p>
             <a:fld id="{0AF80F9B-1FFC-6C42-B49C-49179799B9FF}" type="datetimeFigureOut">
               <a:rPr lang="en-US" smtClean="0"/>
-              <a:t>9/25/19</a:t>
+              <a:t>10/16/19</a:t>
             </a:fld>
             <a:endParaRPr lang="en-US"/>
           </a:p>
@@ -892,7 +892,7 @@
           <a:p>
             <a:fld id="{0AF80F9B-1FFC-6C42-B49C-49179799B9FF}" type="datetimeFigureOut">
               <a:rPr lang="en-US" smtClean="0"/>
-              <a:t>9/25/19</a:t>
+              <a:t>10/16/19</a:t>
             </a:fld>
             <a:endParaRPr lang="en-US"/>
           </a:p>
@@ -1167,7 +1167,7 @@
           <a:p>
             <a:fld id="{0AF80F9B-1FFC-6C42-B49C-49179799B9FF}" type="datetimeFigureOut">
               <a:rPr lang="en-US" smtClean="0"/>
-              <a:t>9/25/19</a:t>
+              <a:t>10/16/19</a:t>
             </a:fld>
             <a:endParaRPr lang="en-US"/>
           </a:p>
@@ -1432,7 +1432,7 @@
           <a:p>
             <a:fld id="{0AF80F9B-1FFC-6C42-B49C-49179799B9FF}" type="datetimeFigureOut">
               <a:rPr lang="en-US" smtClean="0"/>
-              <a:t>9/25/19</a:t>
+              <a:t>10/16/19</a:t>
             </a:fld>
             <a:endParaRPr lang="en-US"/>
           </a:p>
@@ -1844,7 +1844,7 @@
           <a:p>
             <a:fld id="{0AF80F9B-1FFC-6C42-B49C-49179799B9FF}" type="datetimeFigureOut">
               <a:rPr lang="en-US" smtClean="0"/>
-              <a:t>9/25/19</a:t>
+              <a:t>10/16/19</a:t>
             </a:fld>
             <a:endParaRPr lang="en-US"/>
           </a:p>
@@ -1985,7 +1985,7 @@
           <a:p>
             <a:fld id="{0AF80F9B-1FFC-6C42-B49C-49179799B9FF}" type="datetimeFigureOut">
               <a:rPr lang="en-US" smtClean="0"/>
-              <a:t>9/25/19</a:t>
+              <a:t>10/16/19</a:t>
             </a:fld>
             <a:endParaRPr lang="en-US"/>
           </a:p>
@@ -2098,7 +2098,7 @@
           <a:p>
             <a:fld id="{0AF80F9B-1FFC-6C42-B49C-49179799B9FF}" type="datetimeFigureOut">
               <a:rPr lang="en-US" smtClean="0"/>
-              <a:t>9/25/19</a:t>
+              <a:t>10/16/19</a:t>
             </a:fld>
             <a:endParaRPr lang="en-US"/>
           </a:p>
@@ -2409,7 +2409,7 @@
           <a:p>
             <a:fld id="{0AF80F9B-1FFC-6C42-B49C-49179799B9FF}" type="datetimeFigureOut">
               <a:rPr lang="en-US" smtClean="0"/>
-              <a:t>9/25/19</a:t>
+              <a:t>10/16/19</a:t>
             </a:fld>
             <a:endParaRPr lang="en-US"/>
           </a:p>
@@ -2697,7 +2697,7 @@
           <a:p>
             <a:fld id="{0AF80F9B-1FFC-6C42-B49C-49179799B9FF}" type="datetimeFigureOut">
               <a:rPr lang="en-US" smtClean="0"/>
-              <a:t>9/25/19</a:t>
+              <a:t>10/16/19</a:t>
             </a:fld>
             <a:endParaRPr lang="en-US"/>
           </a:p>
@@ -2938,7 +2938,7 @@
           <a:p>
             <a:fld id="{0AF80F9B-1FFC-6C42-B49C-49179799B9FF}" type="datetimeFigureOut">
               <a:rPr lang="en-US" smtClean="0"/>
-              <a:t>9/25/19</a:t>
+              <a:t>10/16/19</a:t>
             </a:fld>
             <a:endParaRPr lang="en-US"/>
           </a:p>
@@ -21802,7 +21802,7 @@
                 <a:latin typeface="Osaka" panose="020B0600000000000000" pitchFamily="34" charset="-128"/>
                 <a:ea typeface="Osaka" panose="020B0600000000000000" pitchFamily="34" charset="-128"/>
               </a:rPr>
-              <a:t>仮引数</a:t>
+              <a:t>実引数</a:t>
             </a:r>
             <a:endParaRPr lang="en-US" sz="1400" dirty="0">
               <a:solidFill>
@@ -21853,7 +21853,7 @@
                 <a:latin typeface="Osaka" panose="020B0600000000000000" pitchFamily="34" charset="-128"/>
                 <a:ea typeface="Osaka" panose="020B0600000000000000" pitchFamily="34" charset="-128"/>
               </a:rPr>
-              <a:t>実引数</a:t>
+              <a:t>仮引数</a:t>
             </a:r>
             <a:endParaRPr lang="en-US" sz="1400" dirty="0">
               <a:solidFill>
